--- a/apsi/Labs/doc/APSI_Lab2.pptx
+++ b/apsi/Labs/doc/APSI_Lab2.pptx
@@ -5,17 +5,18 @@
     <p:sldMasterId id="2147483713" r:id="rId1"/>
   </p:sldMasterIdLst>
   <p:notesMasterIdLst>
-    <p:notesMasterId r:id="rId7"/>
+    <p:notesMasterId r:id="rId8"/>
   </p:notesMasterIdLst>
   <p:handoutMasterIdLst>
-    <p:handoutMasterId r:id="rId8"/>
+    <p:handoutMasterId r:id="rId9"/>
   </p:handoutMasterIdLst>
   <p:sldIdLst>
     <p:sldId id="256" r:id="rId2"/>
     <p:sldId id="257" r:id="rId3"/>
-    <p:sldId id="258" r:id="rId4"/>
-    <p:sldId id="259" r:id="rId5"/>
+    <p:sldId id="259" r:id="rId4"/>
+    <p:sldId id="258" r:id="rId5"/>
     <p:sldId id="260" r:id="rId6"/>
+    <p:sldId id="261" r:id="rId7"/>
   </p:sldIdLst>
   <p:sldSz cx="10693400" cy="7561263"/>
   <p:notesSz cx="6858000" cy="9144000"/>
@@ -1377,7 +1378,7 @@
                   <a:srgbClr val="000000"/>
                 </a:solidFill>
               </a:rPr>
-              <a:t>15.12.2013</a:t>
+              <a:t>16.12.2013</a:t>
             </a:fld>
             <a:endParaRPr lang="de-CH">
               <a:solidFill>
@@ -1587,7 +1588,7 @@
                   <a:srgbClr val="000000"/>
                 </a:solidFill>
               </a:rPr>
-              <a:t>15.12.2013</a:t>
+              <a:t>16.12.2013</a:t>
             </a:fld>
             <a:endParaRPr lang="de-CH">
               <a:solidFill>
@@ -1795,7 +1796,7 @@
                   <a:srgbClr val="000000"/>
                 </a:solidFill>
               </a:rPr>
-              <a:t>15.12.2013</a:t>
+              <a:t>16.12.2013</a:t>
             </a:fld>
             <a:endParaRPr lang="de-CH">
               <a:solidFill>
@@ -2003,7 +2004,7 @@
                   <a:srgbClr val="000000"/>
                 </a:solidFill>
               </a:rPr>
-              <a:t>15.12.2013</a:t>
+              <a:t>16.12.2013</a:t>
             </a:fld>
             <a:endParaRPr lang="de-CH">
               <a:solidFill>
@@ -2459,7 +2460,7 @@
                   <a:srgbClr val="000000"/>
                 </a:solidFill>
               </a:rPr>
-              <a:t>15.12.2013</a:t>
+              <a:t>16.12.2013</a:t>
             </a:fld>
             <a:endParaRPr lang="de-CH">
               <a:solidFill>
@@ -3204,7 +3205,6 @@
               <a:rPr lang="de-CH" dirty="0"/>
               <a:t>2</a:t>
             </a:r>
-            <a:endParaRPr lang="de-CH" dirty="0"/>
           </a:p>
         </p:txBody>
       </p:sp>
@@ -3227,7 +3227,6 @@
               <a:rPr lang="de-CH" dirty="0" smtClean="0"/>
               <a:t>Architektur</a:t>
             </a:r>
-            <a:endParaRPr lang="de-CH" dirty="0" smtClean="0"/>
           </a:p>
           <a:p>
             <a:endParaRPr lang="de-CH" dirty="0" smtClean="0"/>
@@ -3237,7 +3236,6 @@
               <a:rPr lang="de-CH" dirty="0" smtClean="0"/>
               <a:t>PLZ Verifizierung</a:t>
             </a:r>
-            <a:endParaRPr lang="de-CH" dirty="0" smtClean="0"/>
           </a:p>
           <a:p>
             <a:endParaRPr lang="de-CH" dirty="0" smtClean="0"/>
@@ -3346,7 +3344,7 @@
                   <a:srgbClr val="000000"/>
                 </a:solidFill>
               </a:rPr>
-              <a:t>15.12.2013</a:t>
+              <a:t>16.12.2013</a:t>
             </a:fld>
             <a:endParaRPr lang="de-CH">
               <a:solidFill>
@@ -3966,16 +3964,6 @@
                 </a:rPr>
                 <a:t>JSP</a:t>
               </a:r>
-              <a:endParaRPr kumimoji="0" lang="de-CH" sz="2100" b="0" i="0" u="none" strike="noStrike" cap="none" normalizeH="0" baseline="0" dirty="0" smtClean="0">
-                <a:ln>
-                  <a:noFill/>
-                </a:ln>
-                <a:solidFill>
-                  <a:schemeClr val="tx1"/>
-                </a:solidFill>
-                <a:effectLst/>
-                <a:latin typeface="Arial" charset="0"/>
-              </a:endParaRPr>
             </a:p>
           </p:txBody>
         </p:sp>
@@ -4081,16 +4069,6 @@
               </a:rPr>
               <a:t>Servlet</a:t>
             </a:r>
-            <a:endParaRPr kumimoji="0" lang="de-CH" sz="2100" b="0" i="0" u="none" strike="noStrike" cap="none" normalizeH="0" baseline="0" dirty="0" smtClean="0">
-              <a:ln>
-                <a:noFill/>
-              </a:ln>
-              <a:solidFill>
-                <a:schemeClr val="tx1"/>
-              </a:solidFill>
-              <a:effectLst/>
-              <a:latin typeface="Arial" charset="0"/>
-            </a:endParaRPr>
           </a:p>
         </p:txBody>
       </p:sp>
@@ -4165,16 +4143,6 @@
               </a:rPr>
               <a:t>Controller</a:t>
             </a:r>
-            <a:endParaRPr kumimoji="0" lang="de-CH" sz="2100" b="0" i="0" u="none" strike="noStrike" cap="none" normalizeH="0" baseline="0" dirty="0" smtClean="0">
-              <a:ln>
-                <a:noFill/>
-              </a:ln>
-              <a:solidFill>
-                <a:schemeClr val="tx1"/>
-              </a:solidFill>
-              <a:effectLst/>
-              <a:latin typeface="Arial" charset="0"/>
-            </a:endParaRPr>
           </a:p>
         </p:txBody>
       </p:sp>
@@ -4249,16 +4217,6 @@
               </a:rPr>
               <a:t>Model</a:t>
             </a:r>
-            <a:endParaRPr kumimoji="0" lang="de-CH" sz="2100" b="0" i="0" u="none" strike="noStrike" cap="none" normalizeH="0" baseline="0" dirty="0" smtClean="0">
-              <a:ln>
-                <a:noFill/>
-              </a:ln>
-              <a:solidFill>
-                <a:schemeClr val="tx1"/>
-              </a:solidFill>
-              <a:effectLst/>
-              <a:latin typeface="Arial" charset="0"/>
-            </a:endParaRPr>
           </a:p>
         </p:txBody>
       </p:sp>
@@ -4333,16 +4291,6 @@
               </a:rPr>
               <a:t>DAO</a:t>
             </a:r>
-            <a:endParaRPr kumimoji="0" lang="de-CH" sz="2100" b="0" i="0" u="none" strike="noStrike" cap="none" normalizeH="0" baseline="0" dirty="0" smtClean="0">
-              <a:ln>
-                <a:noFill/>
-              </a:ln>
-              <a:solidFill>
-                <a:schemeClr val="tx1"/>
-              </a:solidFill>
-              <a:effectLst/>
-              <a:latin typeface="Arial" charset="0"/>
-            </a:endParaRPr>
           </a:p>
         </p:txBody>
       </p:sp>
@@ -4509,6 +4457,13 @@
   <p:clrMapOvr>
     <a:masterClrMapping/>
   </p:clrMapOvr>
+  <p:timing>
+    <p:tnLst>
+      <p:par>
+        <p:cTn id="1" dur="indefinite" restart="never" nodeType="tmRoot"/>
+      </p:par>
+    </p:tnLst>
+  </p:timing>
 </p:sld>
 </file>
 
@@ -4550,7 +4505,7 @@
                   <a:srgbClr val="000000"/>
                 </a:solidFill>
               </a:rPr>
-              <a:t>15.12.2013</a:t>
+              <a:t>16.12.2013</a:t>
             </a:fld>
             <a:endParaRPr lang="de-CH">
               <a:solidFill>
@@ -4640,7 +4595,7 @@
           <a:p>
             <a:r>
               <a:rPr lang="de-CH" dirty="0" smtClean="0"/>
-              <a:t>PLZ Verifizierung</a:t>
+              <a:t>HTTPS</a:t>
             </a:r>
             <a:endParaRPr lang="de-CH" dirty="0"/>
           </a:p>
@@ -4667,8 +4622,13 @@
             </a:pPr>
             <a:r>
               <a:rPr lang="de-CH" dirty="0" smtClean="0"/>
-              <a:t>Über zwei Webdienste =&gt; Gewährleistung Verfügbarkeit</a:t>
-            </a:r>
+              <a:t>Installation auf </a:t>
+            </a:r>
+            <a:r>
+              <a:rPr lang="de-CH" dirty="0" err="1" smtClean="0"/>
+              <a:t>Tomcat</a:t>
+            </a:r>
+            <a:endParaRPr lang="de-CH" dirty="0" smtClean="0"/>
           </a:p>
           <a:p>
             <a:pPr marL="695325" lvl="1" indent="-342900">
@@ -4677,8 +4637,13 @@
             </a:pPr>
             <a:r>
               <a:rPr lang="de-CH" dirty="0" smtClean="0"/>
-              <a:t>Post.ch</a:t>
-            </a:r>
+              <a:t>Generierung von Schlüsseln über </a:t>
+            </a:r>
+            <a:r>
+              <a:rPr lang="de-CH" dirty="0" err="1" smtClean="0"/>
+              <a:t>keytool</a:t>
+            </a:r>
+            <a:endParaRPr lang="de-CH" dirty="0" smtClean="0"/>
           </a:p>
           <a:p>
             <a:pPr marL="695325" lvl="1" indent="-342900">
@@ -4687,8 +4652,56 @@
             </a:pPr>
             <a:r>
               <a:rPr lang="de-CH" dirty="0" smtClean="0"/>
-              <a:t>Postleitzahlen.ch</a:t>
-            </a:r>
+              <a:t>Ergänzung $</a:t>
+            </a:r>
+            <a:r>
+              <a:rPr lang="de-CH" dirty="0" err="1" smtClean="0"/>
+              <a:t>tomcat</a:t>
+            </a:r>
+            <a:r>
+              <a:rPr lang="de-CH" dirty="0" smtClean="0"/>
+              <a:t>/</a:t>
+            </a:r>
+            <a:r>
+              <a:rPr lang="de-CH" dirty="0" err="1" smtClean="0"/>
+              <a:t>conf</a:t>
+            </a:r>
+            <a:r>
+              <a:rPr lang="de-CH" dirty="0" smtClean="0"/>
+              <a:t>/server.xml</a:t>
+            </a:r>
+          </a:p>
+          <a:p>
+            <a:pPr marL="1055688" lvl="2" indent="-342900">
+              <a:buFont typeface="Arial" panose="020B0604020202020204" pitchFamily="34" charset="0"/>
+              <a:buChar char="•"/>
+            </a:pPr>
+            <a:r>
+              <a:rPr lang="de-CH" dirty="0" smtClean="0"/>
+              <a:t>Eintrag für sichere Verbindung (Port 8443)</a:t>
+            </a:r>
+          </a:p>
+          <a:p>
+            <a:pPr marL="1416050" lvl="3" indent="-342900">
+              <a:buFont typeface="Arial" panose="020B0604020202020204" pitchFamily="34" charset="0"/>
+              <a:buChar char="•"/>
+            </a:pPr>
+            <a:r>
+              <a:rPr lang="de-CH" dirty="0" err="1" smtClean="0"/>
+              <a:t>keystoreFile</a:t>
+            </a:r>
+            <a:endParaRPr lang="de-CH" dirty="0" smtClean="0"/>
+          </a:p>
+          <a:p>
+            <a:pPr marL="1416050" lvl="3" indent="-342900">
+              <a:buFont typeface="Arial" panose="020B0604020202020204" pitchFamily="34" charset="0"/>
+              <a:buChar char="•"/>
+            </a:pPr>
+            <a:r>
+              <a:rPr lang="de-CH" dirty="0" err="1" smtClean="0"/>
+              <a:t>keystorePass</a:t>
+            </a:r>
+            <a:endParaRPr lang="de-CH" dirty="0" smtClean="0"/>
           </a:p>
           <a:p>
             <a:pPr marL="342900" indent="-342900">
@@ -4697,31 +4710,51 @@
             </a:pPr>
             <a:r>
               <a:rPr lang="de-CH" dirty="0" smtClean="0"/>
-              <a:t>Parameterübergabe per URL</a:t>
-            </a:r>
-          </a:p>
-          <a:p>
-            <a:pPr marL="342900" indent="-342900">
+              <a:t>Konfiguration in der Applikation (web.xml)</a:t>
+            </a:r>
+          </a:p>
+          <a:p>
+            <a:pPr marL="695325" lvl="1" indent="-342900">
               <a:buFont typeface="Arial" panose="020B0604020202020204" pitchFamily="34" charset="0"/>
               <a:buChar char="•"/>
             </a:pPr>
             <a:r>
               <a:rPr lang="de-CH" dirty="0" smtClean="0"/>
-              <a:t>Durchsuchen der Antwort nach Stichworten</a:t>
-            </a:r>
+              <a:t>Security </a:t>
+            </a:r>
+            <a:r>
+              <a:rPr lang="de-CH" dirty="0" err="1" smtClean="0"/>
+              <a:t>Constraint</a:t>
+            </a:r>
+            <a:r>
+              <a:rPr lang="de-CH" dirty="0" smtClean="0"/>
+              <a:t> für Web-Ressource mit User-Data-</a:t>
+            </a:r>
+            <a:r>
+              <a:rPr lang="de-CH" dirty="0" err="1" smtClean="0"/>
+              <a:t>Constraint</a:t>
+            </a:r>
+            <a:endParaRPr lang="de-CH" dirty="0" smtClean="0"/>
           </a:p>
         </p:txBody>
       </p:sp>
     </p:spTree>
     <p:extLst>
       <p:ext uri="{BB962C8B-B14F-4D97-AF65-F5344CB8AC3E}">
-        <p14:creationId xmlns:p14="http://schemas.microsoft.com/office/powerpoint/2010/main" val="3067234636"/>
+        <p14:creationId xmlns:p14="http://schemas.microsoft.com/office/powerpoint/2010/main" val="1179055359"/>
       </p:ext>
     </p:extLst>
   </p:cSld>
   <p:clrMapOvr>
     <a:masterClrMapping/>
   </p:clrMapOvr>
+  <p:timing>
+    <p:tnLst>
+      <p:par>
+        <p:cTn id="1" dur="indefinite" restart="never" nodeType="tmRoot"/>
+      </p:par>
+    </p:tnLst>
+  </p:timing>
 </p:sld>
 </file>
 
@@ -4763,7 +4796,7 @@
                   <a:srgbClr val="000000"/>
                 </a:solidFill>
               </a:rPr>
-              <a:t>15.12.2013</a:t>
+              <a:t>16.12.2013</a:t>
             </a:fld>
             <a:endParaRPr lang="de-CH">
               <a:solidFill>
@@ -4853,7 +4886,7 @@
           <a:p>
             <a:r>
               <a:rPr lang="de-CH" dirty="0" smtClean="0"/>
-              <a:t>HTTPS</a:t>
+              <a:t>PLZ Verifizierung</a:t>
             </a:r>
             <a:endParaRPr lang="de-CH" dirty="0"/>
           </a:p>
@@ -4880,13 +4913,8 @@
             </a:pPr>
             <a:r>
               <a:rPr lang="de-CH" dirty="0" smtClean="0"/>
-              <a:t>Installation auf </a:t>
-            </a:r>
-            <a:r>
-              <a:rPr lang="de-CH" dirty="0" err="1" smtClean="0"/>
-              <a:t>Tomcat</a:t>
-            </a:r>
-            <a:endParaRPr lang="de-CH" dirty="0" smtClean="0"/>
+              <a:t>Über zwei Webdienste =&gt; Gewährleistung Verfügbarkeit</a:t>
+            </a:r>
           </a:p>
           <a:p>
             <a:pPr marL="695325" lvl="1" indent="-342900">
@@ -4895,13 +4923,8 @@
             </a:pPr>
             <a:r>
               <a:rPr lang="de-CH" dirty="0" smtClean="0"/>
-              <a:t>Generierung von Schlüsseln über </a:t>
-            </a:r>
-            <a:r>
-              <a:rPr lang="de-CH" dirty="0" err="1" smtClean="0"/>
-              <a:t>keytool</a:t>
-            </a:r>
-            <a:endParaRPr lang="de-CH" dirty="0" smtClean="0"/>
+              <a:t>Post.ch</a:t>
+            </a:r>
           </a:p>
           <a:p>
             <a:pPr marL="695325" lvl="1" indent="-342900">
@@ -4910,56 +4933,8 @@
             </a:pPr>
             <a:r>
               <a:rPr lang="de-CH" dirty="0" smtClean="0"/>
-              <a:t>Ergänzung $</a:t>
-            </a:r>
-            <a:r>
-              <a:rPr lang="de-CH" dirty="0" err="1" smtClean="0"/>
-              <a:t>tomcat</a:t>
-            </a:r>
-            <a:r>
-              <a:rPr lang="de-CH" dirty="0" smtClean="0"/>
-              <a:t>/</a:t>
-            </a:r>
-            <a:r>
-              <a:rPr lang="de-CH" dirty="0" err="1" smtClean="0"/>
-              <a:t>conf</a:t>
-            </a:r>
-            <a:r>
-              <a:rPr lang="de-CH" dirty="0" smtClean="0"/>
-              <a:t>/server.xml</a:t>
-            </a:r>
-          </a:p>
-          <a:p>
-            <a:pPr marL="1055688" lvl="2" indent="-342900">
-              <a:buFont typeface="Arial" panose="020B0604020202020204" pitchFamily="34" charset="0"/>
-              <a:buChar char="•"/>
-            </a:pPr>
-            <a:r>
-              <a:rPr lang="de-CH" dirty="0" smtClean="0"/>
-              <a:t>Eintrag für sichere Verbindung (Port 8443)</a:t>
-            </a:r>
-          </a:p>
-          <a:p>
-            <a:pPr marL="1416050" lvl="3" indent="-342900">
-              <a:buFont typeface="Arial" panose="020B0604020202020204" pitchFamily="34" charset="0"/>
-              <a:buChar char="•"/>
-            </a:pPr>
-            <a:r>
-              <a:rPr lang="de-CH" dirty="0" err="1" smtClean="0"/>
-              <a:t>keystoreFile</a:t>
-            </a:r>
-            <a:endParaRPr lang="de-CH" dirty="0" smtClean="0"/>
-          </a:p>
-          <a:p>
-            <a:pPr marL="1416050" lvl="3" indent="-342900">
-              <a:buFont typeface="Arial" panose="020B0604020202020204" pitchFamily="34" charset="0"/>
-              <a:buChar char="•"/>
-            </a:pPr>
-            <a:r>
-              <a:rPr lang="de-CH" dirty="0" err="1" smtClean="0"/>
-              <a:t>keystorePass</a:t>
-            </a:r>
-            <a:endParaRPr lang="de-CH" dirty="0" smtClean="0"/>
+              <a:t>Postleitzahlen.ch</a:t>
+            </a:r>
           </a:p>
           <a:p>
             <a:pPr marL="342900" indent="-342900">
@@ -4968,29 +4943,21 @@
             </a:pPr>
             <a:r>
               <a:rPr lang="de-CH" dirty="0" smtClean="0"/>
-              <a:t>Konfiguration in der Applikation (web.xml)</a:t>
-            </a:r>
-          </a:p>
-          <a:p>
-            <a:pPr marL="695325" lvl="1" indent="-342900">
+              <a:t>Parameterübergabe per URL</a:t>
+            </a:r>
+          </a:p>
+          <a:p>
+            <a:pPr marL="342900" indent="-342900">
               <a:buFont typeface="Arial" panose="020B0604020202020204" pitchFamily="34" charset="0"/>
               <a:buChar char="•"/>
             </a:pPr>
             <a:r>
               <a:rPr lang="de-CH" dirty="0" smtClean="0"/>
-              <a:t>Security </a:t>
-            </a:r>
-            <a:r>
-              <a:rPr lang="de-CH" dirty="0" err="1" smtClean="0"/>
-              <a:t>Constraint</a:t>
+              <a:t>Durchsuchen der Antwort nach </a:t>
             </a:r>
             <a:r>
               <a:rPr lang="de-CH" dirty="0" smtClean="0"/>
-              <a:t> für Web-Ressource mit User-Data-</a:t>
-            </a:r>
-            <a:r>
-              <a:rPr lang="de-CH" dirty="0" err="1" smtClean="0"/>
-              <a:t>Constraint</a:t>
+              <a:t>Stichwort, dass PLZ nicht existiert</a:t>
             </a:r>
             <a:endParaRPr lang="de-CH" dirty="0" smtClean="0"/>
           </a:p>
@@ -4999,13 +4966,20 @@
     </p:spTree>
     <p:extLst>
       <p:ext uri="{BB962C8B-B14F-4D97-AF65-F5344CB8AC3E}">
-        <p14:creationId xmlns:p14="http://schemas.microsoft.com/office/powerpoint/2010/main" val="1179055359"/>
+        <p14:creationId xmlns:p14="http://schemas.microsoft.com/office/powerpoint/2010/main" val="3067234636"/>
       </p:ext>
     </p:extLst>
   </p:cSld>
   <p:clrMapOvr>
     <a:masterClrMapping/>
   </p:clrMapOvr>
+  <p:timing>
+    <p:tnLst>
+      <p:par>
+        <p:cTn id="1" dur="indefinite" restart="never" nodeType="tmRoot"/>
+      </p:par>
+    </p:tnLst>
+  </p:timing>
 </p:sld>
 </file>
 
@@ -5047,7 +5021,7 @@
                   <a:srgbClr val="000000"/>
                 </a:solidFill>
               </a:rPr>
-              <a:t>15.12.2013</a:t>
+              <a:t>16.12.2013</a:t>
             </a:fld>
             <a:endParaRPr lang="de-CH">
               <a:solidFill>
@@ -5153,7 +5127,12 @@
             <p:ph type="body" idx="1"/>
           </p:nvPr>
         </p:nvSpPr>
-        <p:spPr/>
+        <p:spPr>
+          <a:xfrm>
+            <a:off x="738188" y="2197099"/>
+            <a:ext cx="9213850" cy="5000625"/>
+          </a:xfrm>
+        </p:spPr>
         <p:txBody>
           <a:bodyPr/>
           <a:lstStyle/>
@@ -5196,6 +5175,33 @@
             <a:endParaRPr lang="de-CH" dirty="0" smtClean="0"/>
           </a:p>
           <a:p>
+            <a:pPr marL="695325" lvl="1" indent="-342900">
+              <a:buFont typeface="Arial" panose="020B0604020202020204" pitchFamily="34" charset="0"/>
+              <a:buChar char="•"/>
+            </a:pPr>
+            <a:r>
+              <a:rPr lang="de-CH" dirty="0" err="1" smtClean="0"/>
+              <a:t>No</a:t>
+            </a:r>
+            <a:r>
+              <a:rPr lang="de-CH" dirty="0" smtClean="0"/>
+              <a:t> </a:t>
+            </a:r>
+            <a:r>
+              <a:rPr lang="de-CH" dirty="0" err="1" smtClean="0"/>
+              <a:t>bouncing</a:t>
+            </a:r>
+            <a:r>
+              <a:rPr lang="de-CH" dirty="0" smtClean="0"/>
+              <a:t> nicht umsetzbar, da nicht 100</a:t>
+            </a:r>
+            <a:r>
+              <a:rPr lang="de-CH" smtClean="0"/>
+              <a:t>% möglich</a:t>
+            </a:r>
+            <a:endParaRPr lang="de-CH" dirty="0" smtClean="0"/>
+          </a:p>
+          <a:p>
             <a:pPr marL="342900" indent="-342900">
               <a:buFont typeface="Arial" panose="020B0604020202020204" pitchFamily="34" charset="0"/>
               <a:buChar char="•"/>
@@ -5241,6 +5247,29 @@
               <a:buChar char="•"/>
             </a:pPr>
             <a:r>
+              <a:rPr lang="de-CH" dirty="0" err="1" smtClean="0"/>
+              <a:t>Escape</a:t>
+            </a:r>
+            <a:r>
+              <a:rPr lang="de-CH" dirty="0" smtClean="0"/>
+              <a:t> von HTML-Zeichen in Views (</a:t>
+            </a:r>
+            <a:r>
+              <a:rPr lang="de-CH" dirty="0" err="1" smtClean="0"/>
+              <a:t>jstl</a:t>
+            </a:r>
+            <a:r>
+              <a:rPr lang="de-CH" dirty="0" smtClean="0"/>
+              <a:t> c:out)</a:t>
+            </a:r>
+            <a:endParaRPr lang="de-CH" dirty="0" smtClean="0"/>
+          </a:p>
+          <a:p>
+            <a:pPr marL="342900" indent="-342900">
+              <a:buFont typeface="Arial" panose="020B0604020202020204" pitchFamily="34" charset="0"/>
+              <a:buChar char="•"/>
+            </a:pPr>
+            <a:r>
               <a:rPr lang="de-CH" dirty="0" smtClean="0"/>
               <a:t>Interne Fehler werden nicht angezeigt</a:t>
             </a:r>
@@ -5252,8 +5281,9 @@
             </a:pPr>
             <a:r>
               <a:rPr lang="de-CH" dirty="0" smtClean="0"/>
-              <a:t>Zurücksenden des Fehlercodes 500</a:t>
-            </a:r>
+              <a:t>Umleitung auf eigene Fehlermeldung</a:t>
+            </a:r>
+            <a:endParaRPr lang="de-CH" dirty="0" smtClean="0"/>
           </a:p>
           <a:p>
             <a:pPr marL="342900" indent="-342900">
@@ -5270,29 +5300,13 @@
             </a:r>
             <a:r>
               <a:rPr lang="de-CH" dirty="0" smtClean="0"/>
-              <a:t> für Datenbankzugriffe</a:t>
-            </a:r>
-          </a:p>
-          <a:p>
-            <a:pPr marL="342900" indent="-342900">
-              <a:buFont typeface="Arial" panose="020B0604020202020204" pitchFamily="34" charset="0"/>
-              <a:buChar char="•"/>
-            </a:pPr>
+              <a:t> für </a:t>
+            </a:r>
             <a:r>
               <a:rPr lang="de-CH" dirty="0" smtClean="0"/>
-              <a:t>Identifizierung eines eingeloggten Nutzers über ID und Hash in der Session</a:t>
-            </a:r>
-          </a:p>
-          <a:p>
-            <a:pPr marL="695325" lvl="1" indent="-342900">
-              <a:buFont typeface="Arial" panose="020B0604020202020204" pitchFamily="34" charset="0"/>
-              <a:buChar char="•"/>
-            </a:pPr>
-            <a:r>
-              <a:rPr lang="de-CH" dirty="0" smtClean="0"/>
-              <a:t>Vergleich mit Datenbank</a:t>
-            </a:r>
-            <a:endParaRPr lang="de-CH" dirty="0"/>
+              <a:t>Datenbankzugriffe</a:t>
+            </a:r>
+            <a:endParaRPr lang="de-CH" dirty="0" smtClean="0"/>
           </a:p>
         </p:txBody>
       </p:sp>
@@ -5306,6 +5320,234 @@
   <p:clrMapOvr>
     <a:masterClrMapping/>
   </p:clrMapOvr>
+  <p:timing>
+    <p:tnLst>
+      <p:par>
+        <p:cTn id="1" dur="indefinite" restart="never" nodeType="tmRoot"/>
+      </p:par>
+    </p:tnLst>
+  </p:timing>
+</p:sld>
+</file>
+
+<file path=ppt/slides/slide6.xml><?xml version="1.0" encoding="utf-8"?>
+<p:sld xmlns:a="http://schemas.openxmlformats.org/drawingml/2006/main" xmlns:r="http://schemas.openxmlformats.org/officeDocument/2006/relationships" xmlns:p="http://schemas.openxmlformats.org/presentationml/2006/main">
+  <p:cSld>
+    <p:spTree>
+      <p:nvGrpSpPr>
+        <p:cNvPr id="1" name=""/>
+        <p:cNvGrpSpPr/>
+        <p:nvPr/>
+      </p:nvGrpSpPr>
+      <p:grpSpPr>
+        <a:xfrm>
+          <a:off x="0" y="0"/>
+          <a:ext cx="0" cy="0"/>
+          <a:chOff x="0" y="0"/>
+          <a:chExt cx="0" cy="0"/>
+        </a:xfrm>
+      </p:grpSpPr>
+      <p:sp>
+        <p:nvSpPr>
+          <p:cNvPr id="2" name="Datumsplatzhalter 1"/>
+          <p:cNvSpPr>
+            <a:spLocks noGrp="1"/>
+          </p:cNvSpPr>
+          <p:nvPr>
+            <p:ph type="dt" sz="half" idx="10"/>
+          </p:nvPr>
+        </p:nvSpPr>
+        <p:spPr/>
+        <p:txBody>
+          <a:bodyPr/>
+          <a:lstStyle/>
+          <a:p>
+            <a:fld id="{5E48492E-72D1-4785-9351-8AE1E40FBA2D}" type="datetime1">
+              <a:rPr lang="de-CH" smtClean="0">
+                <a:solidFill>
+                  <a:srgbClr val="000000"/>
+                </a:solidFill>
+              </a:rPr>
+              <a:t>16.12.2013</a:t>
+            </a:fld>
+            <a:endParaRPr lang="de-CH">
+              <a:solidFill>
+                <a:srgbClr val="000000"/>
+              </a:solidFill>
+            </a:endParaRPr>
+          </a:p>
+        </p:txBody>
+      </p:sp>
+      <p:sp>
+        <p:nvSpPr>
+          <p:cNvPr id="3" name="Fußzeilenplatzhalter 2"/>
+          <p:cNvSpPr>
+            <a:spLocks noGrp="1"/>
+          </p:cNvSpPr>
+          <p:nvPr>
+            <p:ph type="ftr" sz="quarter" idx="11"/>
+          </p:nvPr>
+        </p:nvSpPr>
+        <p:spPr/>
+        <p:txBody>
+          <a:bodyPr/>
+          <a:lstStyle/>
+          <a:p>
+            <a:r>
+              <a:rPr lang="de-CH" smtClean="0">
+                <a:solidFill>
+                  <a:srgbClr val="000000"/>
+                </a:solidFill>
+              </a:rPr>
+              <a:t>Applikationssicherheit Lab2</a:t>
+            </a:r>
+            <a:endParaRPr lang="de-CH" dirty="0">
+              <a:solidFill>
+                <a:srgbClr val="000000"/>
+              </a:solidFill>
+            </a:endParaRPr>
+          </a:p>
+        </p:txBody>
+      </p:sp>
+      <p:sp>
+        <p:nvSpPr>
+          <p:cNvPr id="4" name="Foliennummernplatzhalter 3"/>
+          <p:cNvSpPr>
+            <a:spLocks noGrp="1"/>
+          </p:cNvSpPr>
+          <p:nvPr>
+            <p:ph type="sldNum" sz="quarter" idx="12"/>
+          </p:nvPr>
+        </p:nvSpPr>
+        <p:spPr/>
+        <p:txBody>
+          <a:bodyPr/>
+          <a:lstStyle/>
+          <a:p>
+            <a:fld id="{351188DD-6605-4EF4-9E67-B567F731CE68}" type="slidenum">
+              <a:rPr lang="de-CH" smtClean="0">
+                <a:solidFill>
+                  <a:srgbClr val="000000"/>
+                </a:solidFill>
+              </a:rPr>
+              <a:pPr/>
+              <a:t>6</a:t>
+            </a:fld>
+            <a:endParaRPr lang="de-CH">
+              <a:solidFill>
+                <a:srgbClr val="000000"/>
+              </a:solidFill>
+            </a:endParaRPr>
+          </a:p>
+        </p:txBody>
+      </p:sp>
+      <p:sp>
+        <p:nvSpPr>
+          <p:cNvPr id="5" name="Titel 4"/>
+          <p:cNvSpPr>
+            <a:spLocks noGrp="1"/>
+          </p:cNvSpPr>
+          <p:nvPr>
+            <p:ph type="title"/>
+          </p:nvPr>
+        </p:nvSpPr>
+        <p:spPr/>
+        <p:txBody>
+          <a:bodyPr/>
+          <a:lstStyle/>
+          <a:p>
+            <a:r>
+              <a:rPr lang="de-CH" dirty="0" smtClean="0"/>
+              <a:t>Sicherheitsmassnahmen</a:t>
+            </a:r>
+            <a:endParaRPr lang="de-CH" dirty="0"/>
+          </a:p>
+        </p:txBody>
+      </p:sp>
+      <p:sp>
+        <p:nvSpPr>
+          <p:cNvPr id="6" name="Textplatzhalter 5"/>
+          <p:cNvSpPr>
+            <a:spLocks noGrp="1"/>
+          </p:cNvSpPr>
+          <p:nvPr>
+            <p:ph type="body" idx="1"/>
+          </p:nvPr>
+        </p:nvSpPr>
+        <p:spPr>
+          <a:xfrm>
+            <a:off x="738188" y="2197099"/>
+            <a:ext cx="9213850" cy="5000625"/>
+          </a:xfrm>
+        </p:spPr>
+        <p:txBody>
+          <a:bodyPr/>
+          <a:lstStyle/>
+          <a:p>
+            <a:pPr marL="342900" indent="-342900">
+              <a:buFont typeface="Arial" panose="020B0604020202020204" pitchFamily="34" charset="0"/>
+              <a:buChar char="•"/>
+            </a:pPr>
+            <a:r>
+              <a:rPr lang="de-CH" dirty="0" smtClean="0"/>
+              <a:t>Identifizierung </a:t>
+            </a:r>
+            <a:r>
+              <a:rPr lang="de-CH" dirty="0" smtClean="0"/>
+              <a:t>eines eingeloggten Nutzers über ID und Hash in der Session</a:t>
+            </a:r>
+          </a:p>
+          <a:p>
+            <a:pPr marL="695325" lvl="1" indent="-342900">
+              <a:buFont typeface="Arial" panose="020B0604020202020204" pitchFamily="34" charset="0"/>
+              <a:buChar char="•"/>
+            </a:pPr>
+            <a:r>
+              <a:rPr lang="de-CH" dirty="0" smtClean="0"/>
+              <a:t>Vergleich mit </a:t>
+            </a:r>
+            <a:r>
+              <a:rPr lang="de-CH" dirty="0" smtClean="0"/>
+              <a:t>Datenbank</a:t>
+            </a:r>
+          </a:p>
+          <a:p>
+            <a:pPr marL="342900" indent="-342900">
+              <a:buFont typeface="Arial" panose="020B0604020202020204" pitchFamily="34" charset="0"/>
+              <a:buChar char="•"/>
+            </a:pPr>
+            <a:r>
+              <a:rPr lang="de-CH" dirty="0" smtClean="0"/>
+              <a:t>Sämtliche Passwörter werden mittels SHA-256 </a:t>
+            </a:r>
+            <a:r>
+              <a:rPr lang="de-CH" dirty="0" err="1" smtClean="0"/>
+              <a:t>gehasht</a:t>
+            </a:r>
+            <a:r>
+              <a:rPr lang="de-CH" dirty="0" smtClean="0"/>
+              <a:t> und auf HEX konvertiert</a:t>
+            </a:r>
+          </a:p>
+        </p:txBody>
+      </p:sp>
+    </p:spTree>
+    <p:extLst>
+      <p:ext uri="{BB962C8B-B14F-4D97-AF65-F5344CB8AC3E}">
+        <p14:creationId xmlns:p14="http://schemas.microsoft.com/office/powerpoint/2010/main" val="1845479503"/>
+      </p:ext>
+    </p:extLst>
+  </p:cSld>
+  <p:clrMapOvr>
+    <a:masterClrMapping/>
+  </p:clrMapOvr>
+  <p:timing>
+    <p:tnLst>
+      <p:par>
+        <p:cTn id="1" dur="indefinite" restart="never" nodeType="tmRoot"/>
+      </p:par>
+    </p:tnLst>
+  </p:timing>
 </p:sld>
 </file>
 
